--- a/figures/work_review.pptx
+++ b/figures/work_review.pptx
@@ -243,7 +243,7 @@
           <a:p>
             <a:fld id="{92E43661-49A3-4013-9149-830EF5B9E16D}" type="datetimeFigureOut">
               <a:rPr lang="zh-CN" altLang="en-US" smtClean="0"/>
-              <a:t>2025/1/24</a:t>
+              <a:t>2025/1/26</a:t>
             </a:fld>
             <a:endParaRPr lang="zh-CN" altLang="en-US"/>
           </a:p>
@@ -413,7 +413,7 @@
           <a:p>
             <a:fld id="{92E43661-49A3-4013-9149-830EF5B9E16D}" type="datetimeFigureOut">
               <a:rPr lang="zh-CN" altLang="en-US" smtClean="0"/>
-              <a:t>2025/1/24</a:t>
+              <a:t>2025/1/26</a:t>
             </a:fld>
             <a:endParaRPr lang="zh-CN" altLang="en-US"/>
           </a:p>
@@ -593,7 +593,7 @@
           <a:p>
             <a:fld id="{92E43661-49A3-4013-9149-830EF5B9E16D}" type="datetimeFigureOut">
               <a:rPr lang="zh-CN" altLang="en-US" smtClean="0"/>
-              <a:t>2025/1/24</a:t>
+              <a:t>2025/1/26</a:t>
             </a:fld>
             <a:endParaRPr lang="zh-CN" altLang="en-US"/>
           </a:p>
@@ -763,7 +763,7 @@
           <a:p>
             <a:fld id="{92E43661-49A3-4013-9149-830EF5B9E16D}" type="datetimeFigureOut">
               <a:rPr lang="zh-CN" altLang="en-US" smtClean="0"/>
-              <a:t>2025/1/24</a:t>
+              <a:t>2025/1/26</a:t>
             </a:fld>
             <a:endParaRPr lang="zh-CN" altLang="en-US"/>
           </a:p>
@@ -1007,7 +1007,7 @@
           <a:p>
             <a:fld id="{92E43661-49A3-4013-9149-830EF5B9E16D}" type="datetimeFigureOut">
               <a:rPr lang="zh-CN" altLang="en-US" smtClean="0"/>
-              <a:t>2025/1/24</a:t>
+              <a:t>2025/1/26</a:t>
             </a:fld>
             <a:endParaRPr lang="zh-CN" altLang="en-US"/>
           </a:p>
@@ -1239,7 +1239,7 @@
           <a:p>
             <a:fld id="{92E43661-49A3-4013-9149-830EF5B9E16D}" type="datetimeFigureOut">
               <a:rPr lang="zh-CN" altLang="en-US" smtClean="0"/>
-              <a:t>2025/1/24</a:t>
+              <a:t>2025/1/26</a:t>
             </a:fld>
             <a:endParaRPr lang="zh-CN" altLang="en-US"/>
           </a:p>
@@ -1606,7 +1606,7 @@
           <a:p>
             <a:fld id="{92E43661-49A3-4013-9149-830EF5B9E16D}" type="datetimeFigureOut">
               <a:rPr lang="zh-CN" altLang="en-US" smtClean="0"/>
-              <a:t>2025/1/24</a:t>
+              <a:t>2025/1/26</a:t>
             </a:fld>
             <a:endParaRPr lang="zh-CN" altLang="en-US"/>
           </a:p>
@@ -1724,7 +1724,7 @@
           <a:p>
             <a:fld id="{92E43661-49A3-4013-9149-830EF5B9E16D}" type="datetimeFigureOut">
               <a:rPr lang="zh-CN" altLang="en-US" smtClean="0"/>
-              <a:t>2025/1/24</a:t>
+              <a:t>2025/1/26</a:t>
             </a:fld>
             <a:endParaRPr lang="zh-CN" altLang="en-US"/>
           </a:p>
@@ -1819,7 +1819,7 @@
           <a:p>
             <a:fld id="{92E43661-49A3-4013-9149-830EF5B9E16D}" type="datetimeFigureOut">
               <a:rPr lang="zh-CN" altLang="en-US" smtClean="0"/>
-              <a:t>2025/1/24</a:t>
+              <a:t>2025/1/26</a:t>
             </a:fld>
             <a:endParaRPr lang="zh-CN" altLang="en-US"/>
           </a:p>
@@ -2096,7 +2096,7 @@
           <a:p>
             <a:fld id="{92E43661-49A3-4013-9149-830EF5B9E16D}" type="datetimeFigureOut">
               <a:rPr lang="zh-CN" altLang="en-US" smtClean="0"/>
-              <a:t>2025/1/24</a:t>
+              <a:t>2025/1/26</a:t>
             </a:fld>
             <a:endParaRPr lang="zh-CN" altLang="en-US"/>
           </a:p>
@@ -2353,7 +2353,7 @@
           <a:p>
             <a:fld id="{92E43661-49A3-4013-9149-830EF5B9E16D}" type="datetimeFigureOut">
               <a:rPr lang="zh-CN" altLang="en-US" smtClean="0"/>
-              <a:t>2025/1/24</a:t>
+              <a:t>2025/1/26</a:t>
             </a:fld>
             <a:endParaRPr lang="zh-CN" altLang="en-US"/>
           </a:p>
@@ -2566,7 +2566,7 @@
           <a:p>
             <a:fld id="{92E43661-49A3-4013-9149-830EF5B9E16D}" type="datetimeFigureOut">
               <a:rPr lang="zh-CN" altLang="en-US" smtClean="0"/>
-              <a:t>2025/1/24</a:t>
+              <a:t>2025/1/26</a:t>
             </a:fld>
             <a:endParaRPr lang="zh-CN" altLang="en-US"/>
           </a:p>
@@ -2985,8 +2985,8 @@
         </p:nvSpPr>
         <p:spPr>
           <a:xfrm>
-            <a:off x="3296104" y="567558"/>
-            <a:ext cx="5769520" cy="5234514"/>
+            <a:off x="3077891" y="1032697"/>
+            <a:ext cx="5769520" cy="5049127"/>
           </a:xfrm>
           <a:prstGeom prst="roundRect">
             <a:avLst/>
@@ -3019,7 +3019,7 @@
           <a:lstStyle/>
           <a:p>
             <a:pPr algn="ctr"/>
-            <a:endParaRPr lang="zh-CN" altLang="en-US" sz="1801"/>
+            <a:endParaRPr lang="zh-CN" altLang="en-US" sz="1801" dirty="0"/>
           </a:p>
         </p:txBody>
       </p:sp>
@@ -3133,10 +3133,10 @@
         </p:nvGrpSpPr>
         <p:grpSpPr>
           <a:xfrm>
-            <a:off x="3384117" y="692461"/>
-            <a:ext cx="5534382" cy="4234753"/>
-            <a:chOff x="2527283" y="-123875"/>
-            <a:chExt cx="5502228" cy="3915739"/>
+            <a:off x="3389757" y="1164975"/>
+            <a:ext cx="5362170" cy="4817638"/>
+            <a:chOff x="2527283" y="236702"/>
+            <a:chExt cx="5331016" cy="4454713"/>
           </a:xfrm>
         </p:grpSpPr>
         <p:sp>
@@ -3220,7 +3220,7 @@
           </p:nvSpPr>
           <p:spPr>
             <a:xfrm>
-              <a:off x="4651272" y="1420234"/>
+              <a:off x="5377354" y="1344765"/>
               <a:ext cx="1771612" cy="529553"/>
             </a:xfrm>
             <a:prstGeom prst="roundRect">
@@ -3354,7 +3354,7 @@
           </p:nvSpPr>
           <p:spPr>
             <a:xfrm>
-              <a:off x="6537991" y="1454269"/>
+              <a:off x="4362538" y="236702"/>
               <a:ext cx="1491520" cy="529553"/>
             </a:xfrm>
             <a:prstGeom prst="roundRect">
@@ -3457,7 +3457,7 @@
           </p:nvSpPr>
           <p:spPr>
             <a:xfrm>
-              <a:off x="4244710" y="2351858"/>
+              <a:off x="4537685" y="2342066"/>
               <a:ext cx="1594927" cy="540723"/>
             </a:xfrm>
             <a:prstGeom prst="rect">
@@ -3493,7 +3493,7 @@
           </p:nvSpPr>
           <p:spPr>
             <a:xfrm>
-              <a:off x="5778346" y="2373479"/>
+              <a:off x="5934341" y="2342066"/>
               <a:ext cx="1923958" cy="540723"/>
             </a:xfrm>
             <a:prstGeom prst="rect">
@@ -3575,7 +3575,7 @@
           </p:nvSpPr>
           <p:spPr>
             <a:xfrm rot="16200000">
-              <a:off x="5093936" y="1537415"/>
+              <a:off x="5757025" y="1410241"/>
               <a:ext cx="295707" cy="1431343"/>
             </a:xfrm>
             <a:prstGeom prst="rightBrace">
@@ -3627,7 +3627,7 @@
           </p:nvSpPr>
           <p:spPr>
             <a:xfrm rot="16200000">
-              <a:off x="5296654" y="-356403"/>
+              <a:off x="4903576" y="-474188"/>
               <a:ext cx="435199" cy="2998748"/>
             </a:xfrm>
             <a:prstGeom prst="rightBrace">
@@ -3717,102 +3717,45 @@
             </a:p>
           </p:txBody>
         </p:sp>
-        <p:grpSp>
-          <p:nvGrpSpPr>
-            <p:cNvPr id="75" name="组合 74">
+        <p:pic>
+          <p:nvPicPr>
+            <p:cNvPr id="70" name="图形 69">
               <a:extLst>
                 <a:ext uri="{FF2B5EF4-FFF2-40B4-BE49-F238E27FC236}">
-                  <a16:creationId xmlns:a16="http://schemas.microsoft.com/office/drawing/2014/main" id="{094630EB-A151-441F-9899-16F992F862E6}"/>
+                  <a16:creationId xmlns:a16="http://schemas.microsoft.com/office/drawing/2014/main" id="{CB90E335-0C63-42A8-9B87-8873683B5600}"/>
                 </a:ext>
               </a:extLst>
             </p:cNvPr>
-            <p:cNvGrpSpPr/>
+            <p:cNvPicPr>
+              <a:picLocks noChangeAspect="1"/>
+            </p:cNvPicPr>
             <p:nvPr/>
-          </p:nvGrpSpPr>
-          <p:grpSpPr>
+          </p:nvPicPr>
+          <p:blipFill>
+            <a:blip r:embed="rId4">
+              <a:extLst>
+                <a:ext uri="{28A0092B-C50C-407E-A947-70E740481C1C}">
+                  <a14:useLocalDpi xmlns:a14="http://schemas.microsoft.com/office/drawing/2010/main" val="0"/>
+                </a:ext>
+                <a:ext uri="{96DAC541-7B7A-43D3-8B79-37D633B846F1}">
+                  <asvg:svgBlip xmlns:asvg="http://schemas.microsoft.com/office/drawing/2016/SVG/main" r:embed="rId5"/>
+                </a:ext>
+              </a:extLst>
+            </a:blip>
+            <a:stretch>
+              <a:fillRect/>
+            </a:stretch>
+          </p:blipFill>
+          <p:spPr>
             <a:xfrm>
-              <a:off x="5257185" y="-123875"/>
-              <a:ext cx="978671" cy="1004211"/>
-              <a:chOff x="9240470" y="1845729"/>
-              <a:chExt cx="1344168" cy="1389500"/>
+              <a:off x="3928377" y="4109784"/>
+              <a:ext cx="585955" cy="581631"/>
             </a:xfrm>
-          </p:grpSpPr>
-          <p:pic>
-            <p:nvPicPr>
-              <p:cNvPr id="70" name="图形 69">
-                <a:extLst>
-                  <a:ext uri="{FF2B5EF4-FFF2-40B4-BE49-F238E27FC236}">
-                    <a16:creationId xmlns:a16="http://schemas.microsoft.com/office/drawing/2014/main" id="{CB90E335-0C63-42A8-9B87-8873683B5600}"/>
-                  </a:ext>
-                </a:extLst>
-              </p:cNvPr>
-              <p:cNvPicPr>
-                <a:picLocks noChangeAspect="1"/>
-              </p:cNvPicPr>
-              <p:nvPr/>
-            </p:nvPicPr>
-            <p:blipFill>
-              <a:blip r:embed="rId4">
-                <a:extLst>
-                  <a:ext uri="{28A0092B-C50C-407E-A947-70E740481C1C}">
-                    <a14:useLocalDpi xmlns:a14="http://schemas.microsoft.com/office/drawing/2010/main" val="0"/>
-                  </a:ext>
-                  <a:ext uri="{96DAC541-7B7A-43D3-8B79-37D633B846F1}">
-                    <asvg:svgBlip xmlns:asvg="http://schemas.microsoft.com/office/drawing/2016/SVG/main" r:embed="rId5"/>
-                  </a:ext>
-                </a:extLst>
-              </a:blip>
-              <a:stretch>
-                <a:fillRect/>
-              </a:stretch>
-            </p:blipFill>
-            <p:spPr>
-              <a:xfrm>
-                <a:off x="9240470" y="1845729"/>
-                <a:ext cx="804788" cy="804788"/>
-              </a:xfrm>
-              <a:prstGeom prst="rect">
-                <a:avLst/>
-              </a:prstGeom>
-            </p:spPr>
-          </p:pic>
-          <p:sp>
-            <p:nvSpPr>
-              <p:cNvPr id="71" name="文本框 70">
-                <a:extLst>
-                  <a:ext uri="{FF2B5EF4-FFF2-40B4-BE49-F238E27FC236}">
-                    <a16:creationId xmlns:a16="http://schemas.microsoft.com/office/drawing/2014/main" id="{73640D0A-4D00-4A5B-8D40-3BF3105B0BA0}"/>
-                  </a:ext>
-                </a:extLst>
-              </p:cNvPr>
-              <p:cNvSpPr txBox="1"/>
-              <p:nvPr/>
-            </p:nvSpPr>
-            <p:spPr>
-              <a:xfrm>
-                <a:off x="9240470" y="2762528"/>
-                <a:ext cx="1344168" cy="472701"/>
-              </a:xfrm>
-              <a:prstGeom prst="rect">
-                <a:avLst/>
-              </a:prstGeom>
-              <a:noFill/>
-            </p:spPr>
-            <p:txBody>
-              <a:bodyPr wrap="square" rtlCol="0">
-                <a:spAutoFit/>
-              </a:bodyPr>
-              <a:lstStyle/>
-              <a:p>
-                <a:r>
-                  <a:rPr lang="en-US" altLang="zh-CN" sz="1801" b="1" dirty="0"/>
-                  <a:t>Tax</a:t>
-                </a:r>
-                <a:endParaRPr lang="zh-CN" altLang="en-US" sz="1801" b="1" dirty="0"/>
-              </a:p>
-            </p:txBody>
-          </p:sp>
-        </p:grpSp>
+            <a:prstGeom prst="rect">
+              <a:avLst/>
+            </a:prstGeom>
+          </p:spPr>
+        </p:pic>
       </p:grpSp>
       <p:cxnSp>
         <p:nvCxnSpPr>
@@ -3946,14 +3889,13 @@
           <p:cNvCxnSpPr>
             <a:cxnSpLocks/>
             <a:stCxn id="38" idx="0"/>
-            <a:endCxn id="113" idx="2"/>
           </p:cNvCxnSpPr>
           <p:nvPr/>
         </p:nvCxnSpPr>
         <p:spPr>
           <a:xfrm rot="5400000" flipH="1" flipV="1">
-            <a:off x="5627390" y="5961442"/>
-            <a:ext cx="376683" cy="353330"/>
+            <a:off x="5532043" y="6038188"/>
+            <a:ext cx="395272" cy="181220"/>
           </a:xfrm>
           <a:prstGeom prst="curvedConnector3">
             <a:avLst>
@@ -4579,7 +4521,7 @@
         </p:nvGrpSpPr>
         <p:grpSpPr>
           <a:xfrm>
-            <a:off x="444447" y="5899722"/>
+            <a:off x="366359" y="6006765"/>
             <a:ext cx="4213755" cy="3728526"/>
             <a:chOff x="-873399" y="3093592"/>
             <a:chExt cx="4213755" cy="3728526"/>
@@ -5318,7 +5260,7 @@
         </p:nvSpPr>
         <p:spPr>
           <a:xfrm>
-            <a:off x="4932411" y="6392902"/>
+            <a:off x="4892961" y="6344028"/>
             <a:ext cx="1598814" cy="1429468"/>
           </a:xfrm>
           <a:prstGeom prst="flowChartConnector">
@@ -5354,7 +5296,7 @@
           <a:lstStyle/>
           <a:p>
             <a:pPr algn="ctr"/>
-            <a:endParaRPr lang="zh-CN" altLang="en-US" sz="1801"/>
+            <a:endParaRPr lang="zh-CN" altLang="en-US" sz="1801" dirty="0"/>
           </a:p>
         </p:txBody>
       </p:sp>
@@ -5376,8 +5318,8 @@
         </p:nvCxnSpPr>
         <p:spPr>
           <a:xfrm flipH="1" flipV="1">
-            <a:off x="4278617" y="6835997"/>
-            <a:ext cx="688372" cy="162535"/>
+            <a:off x="4200515" y="6943028"/>
+            <a:ext cx="766468" cy="55491"/>
           </a:xfrm>
           <a:prstGeom prst="straightConnector1">
             <a:avLst/>
@@ -5423,8 +5365,8 @@
         </p:nvCxnSpPr>
         <p:spPr>
           <a:xfrm rot="10800000" flipV="1">
-            <a:off x="1826992" y="4640875"/>
-            <a:ext cx="3346144" cy="1818304"/>
+            <a:off x="1748897" y="4723427"/>
+            <a:ext cx="3429879" cy="1842778"/>
           </a:xfrm>
           <a:prstGeom prst="curvedConnector2">
             <a:avLst/>
@@ -5472,8 +5414,8 @@
         </p:nvCxnSpPr>
         <p:spPr>
           <a:xfrm>
-            <a:off x="6813203" y="4640875"/>
-            <a:ext cx="810247" cy="3924069"/>
+            <a:off x="6818842" y="4723427"/>
+            <a:ext cx="804608" cy="3841522"/>
           </a:xfrm>
           <a:prstGeom prst="straightConnector1">
             <a:avLst/>
@@ -5521,8 +5463,8 @@
         </p:nvCxnSpPr>
         <p:spPr>
           <a:xfrm>
-            <a:off x="6813199" y="4640872"/>
-            <a:ext cx="3002162" cy="3350834"/>
+            <a:off x="6818842" y="4723427"/>
+            <a:ext cx="2996520" cy="3268284"/>
           </a:xfrm>
           <a:prstGeom prst="curvedConnector2">
             <a:avLst/>
